--- a/Documentation/Project_Presentation_v2.pptx
+++ b/Documentation/Project_Presentation_v2.pptx
@@ -5,7 +5,7 @@
     <p:sldMasterId id="2147483648" r:id="rId1"/>
   </p:sldMasterIdLst>
   <p:notesMasterIdLst>
-    <p:notesMasterId r:id="rId24"/>
+    <p:notesMasterId r:id="rId25"/>
   </p:notesMasterIdLst>
   <p:sldIdLst>
     <p:sldId id="257" r:id="rId2"/>
@@ -29,7 +29,8 @@
     <p:sldId id="268" r:id="rId20"/>
     <p:sldId id="273" r:id="rId21"/>
     <p:sldId id="277" r:id="rId22"/>
-    <p:sldId id="279" r:id="rId23"/>
+    <p:sldId id="280" r:id="rId23"/>
+    <p:sldId id="279" r:id="rId24"/>
   </p:sldIdLst>
   <p:sldSz cx="12192000" cy="6858000"/>
   <p:notesSz cx="6858000" cy="9144000"/>
@@ -218,7 +219,7 @@
           <a:p>
             <a:fld id="{A24D267D-A5E8-45DB-ADB4-1A72CFD9B7CE}" type="datetimeFigureOut">
               <a:rPr lang="en-US" smtClean="0"/>
-              <a:t>4/28/2020</a:t>
+              <a:t>5/12/2020</a:t>
             </a:fld>
             <a:endParaRPr lang="en-US"/>
           </a:p>
@@ -754,7 +755,7 @@
           <a:p>
             <a:fld id="{17C4C4AE-CFD8-4AF2-A6E6-1D1ADC40C52A}" type="datetimeFigureOut">
               <a:rPr lang="en-US" smtClean="0"/>
-              <a:t>4/28/2020</a:t>
+              <a:t>5/12/2020</a:t>
             </a:fld>
             <a:endParaRPr lang="en-US"/>
           </a:p>
@@ -952,7 +953,7 @@
           <a:p>
             <a:fld id="{17C4C4AE-CFD8-4AF2-A6E6-1D1ADC40C52A}" type="datetimeFigureOut">
               <a:rPr lang="en-US" smtClean="0"/>
-              <a:t>4/28/2020</a:t>
+              <a:t>5/12/2020</a:t>
             </a:fld>
             <a:endParaRPr lang="en-US"/>
           </a:p>
@@ -1160,7 +1161,7 @@
           <a:p>
             <a:fld id="{17C4C4AE-CFD8-4AF2-A6E6-1D1ADC40C52A}" type="datetimeFigureOut">
               <a:rPr lang="en-US" smtClean="0"/>
-              <a:t>4/28/2020</a:t>
+              <a:t>5/12/2020</a:t>
             </a:fld>
             <a:endParaRPr lang="en-US"/>
           </a:p>
@@ -1661,7 +1662,7 @@
           <a:p>
             <a:fld id="{17C4C4AE-CFD8-4AF2-A6E6-1D1ADC40C52A}" type="datetimeFigureOut">
               <a:rPr lang="en-US" smtClean="0"/>
-              <a:t>4/28/2020</a:t>
+              <a:t>5/12/2020</a:t>
             </a:fld>
             <a:endParaRPr lang="en-US"/>
           </a:p>
@@ -1936,7 +1937,7 @@
           <a:p>
             <a:fld id="{17C4C4AE-CFD8-4AF2-A6E6-1D1ADC40C52A}" type="datetimeFigureOut">
               <a:rPr lang="en-US" smtClean="0"/>
-              <a:t>4/28/2020</a:t>
+              <a:t>5/12/2020</a:t>
             </a:fld>
             <a:endParaRPr lang="en-US"/>
           </a:p>
@@ -2201,7 +2202,7 @@
           <a:p>
             <a:fld id="{17C4C4AE-CFD8-4AF2-A6E6-1D1ADC40C52A}" type="datetimeFigureOut">
               <a:rPr lang="en-US" smtClean="0"/>
-              <a:t>4/28/2020</a:t>
+              <a:t>5/12/2020</a:t>
             </a:fld>
             <a:endParaRPr lang="en-US"/>
           </a:p>
@@ -2613,7 +2614,7 @@
           <a:p>
             <a:fld id="{17C4C4AE-CFD8-4AF2-A6E6-1D1ADC40C52A}" type="datetimeFigureOut">
               <a:rPr lang="en-US" smtClean="0"/>
-              <a:t>4/28/2020</a:t>
+              <a:t>5/12/2020</a:t>
             </a:fld>
             <a:endParaRPr lang="en-US"/>
           </a:p>
@@ -2754,7 +2755,7 @@
           <a:p>
             <a:fld id="{17C4C4AE-CFD8-4AF2-A6E6-1D1ADC40C52A}" type="datetimeFigureOut">
               <a:rPr lang="en-US" smtClean="0"/>
-              <a:t>4/28/2020</a:t>
+              <a:t>5/12/2020</a:t>
             </a:fld>
             <a:endParaRPr lang="en-US"/>
           </a:p>
@@ -2867,7 +2868,7 @@
           <a:p>
             <a:fld id="{17C4C4AE-CFD8-4AF2-A6E6-1D1ADC40C52A}" type="datetimeFigureOut">
               <a:rPr lang="en-US" smtClean="0"/>
-              <a:t>4/28/2020</a:t>
+              <a:t>5/12/2020</a:t>
             </a:fld>
             <a:endParaRPr lang="en-US"/>
           </a:p>
@@ -3178,7 +3179,7 @@
           <a:p>
             <a:fld id="{17C4C4AE-CFD8-4AF2-A6E6-1D1ADC40C52A}" type="datetimeFigureOut">
               <a:rPr lang="en-US" smtClean="0"/>
-              <a:t>4/28/2020</a:t>
+              <a:t>5/12/2020</a:t>
             </a:fld>
             <a:endParaRPr lang="en-US"/>
           </a:p>
@@ -3466,7 +3467,7 @@
           <a:p>
             <a:fld id="{17C4C4AE-CFD8-4AF2-A6E6-1D1ADC40C52A}" type="datetimeFigureOut">
               <a:rPr lang="en-US" smtClean="0"/>
-              <a:t>4/28/2020</a:t>
+              <a:t>5/12/2020</a:t>
             </a:fld>
             <a:endParaRPr lang="en-US"/>
           </a:p>
@@ -3707,7 +3708,7 @@
           <a:p>
             <a:fld id="{17C4C4AE-CFD8-4AF2-A6E6-1D1ADC40C52A}" type="datetimeFigureOut">
               <a:rPr lang="en-US" smtClean="0"/>
-              <a:t>4/28/2020</a:t>
+              <a:t>5/12/2020</a:t>
             </a:fld>
             <a:endParaRPr lang="en-US"/>
           </a:p>
@@ -10319,6 +10320,96 @@
 </file>
 
 <file path=ppt/slides/slide22.xml><?xml version="1.0" encoding="utf-8"?>
+<p:sld xmlns:a="http://schemas.openxmlformats.org/drawingml/2006/main" xmlns:r="http://schemas.openxmlformats.org/officeDocument/2006/relationships" xmlns:p="http://schemas.openxmlformats.org/presentationml/2006/main">
+  <p:cSld>
+    <p:spTree>
+      <p:nvGrpSpPr>
+        <p:cNvPr id="1" name=""/>
+        <p:cNvGrpSpPr/>
+        <p:nvPr/>
+      </p:nvGrpSpPr>
+      <p:grpSpPr>
+        <a:xfrm>
+          <a:off x="0" y="0"/>
+          <a:ext cx="0" cy="0"/>
+          <a:chOff x="0" y="0"/>
+          <a:chExt cx="0" cy="0"/>
+        </a:xfrm>
+      </p:grpSpPr>
+      <p:sp>
+        <p:nvSpPr>
+          <p:cNvPr id="2" name="Title 1">
+            <a:extLst>
+              <a:ext uri="{FF2B5EF4-FFF2-40B4-BE49-F238E27FC236}">
+                <a16:creationId xmlns:a16="http://schemas.microsoft.com/office/drawing/2014/main" id="{27A329C0-DD08-4AE5-869B-8FD0F9676F74}"/>
+              </a:ext>
+            </a:extLst>
+          </p:cNvPr>
+          <p:cNvSpPr>
+            <a:spLocks noGrp="1"/>
+          </p:cNvSpPr>
+          <p:nvPr>
+            <p:ph type="title"/>
+          </p:nvPr>
+        </p:nvSpPr>
+        <p:spPr/>
+        <p:txBody>
+          <a:bodyPr/>
+          <a:lstStyle/>
+          <a:p>
+            <a:r>
+              <a:rPr lang="en-US" dirty="0"/>
+              <a:t>Very large Graph (2)</a:t>
+            </a:r>
+          </a:p>
+        </p:txBody>
+      </p:sp>
+      <p:pic>
+        <p:nvPicPr>
+          <p:cNvPr id="4" name="Content Placeholder 3">
+            <a:extLst>
+              <a:ext uri="{FF2B5EF4-FFF2-40B4-BE49-F238E27FC236}">
+                <a16:creationId xmlns:a16="http://schemas.microsoft.com/office/drawing/2014/main" id="{56F2A724-1A8B-4AF0-85DE-E522981BBB24}"/>
+              </a:ext>
+            </a:extLst>
+          </p:cNvPr>
+          <p:cNvPicPr>
+            <a:picLocks noGrp="1" noChangeAspect="1"/>
+          </p:cNvPicPr>
+          <p:nvPr>
+            <p:ph idx="1"/>
+          </p:nvPr>
+        </p:nvPicPr>
+        <p:blipFill>
+          <a:blip r:embed="rId2"/>
+          <a:stretch>
+            <a:fillRect/>
+          </a:stretch>
+        </p:blipFill>
+        <p:spPr>
+          <a:xfrm>
+            <a:off x="1004455" y="1442832"/>
+            <a:ext cx="10515600" cy="3537505"/>
+          </a:xfrm>
+          <a:prstGeom prst="rect">
+            <a:avLst/>
+          </a:prstGeom>
+        </p:spPr>
+      </p:pic>
+    </p:spTree>
+    <p:extLst>
+      <p:ext uri="{BB962C8B-B14F-4D97-AF65-F5344CB8AC3E}">
+        <p14:creationId xmlns:p14="http://schemas.microsoft.com/office/powerpoint/2010/main" val="199495520"/>
+      </p:ext>
+    </p:extLst>
+  </p:cSld>
+  <p:clrMapOvr>
+    <a:masterClrMapping/>
+  </p:clrMapOvr>
+</p:sld>
+</file>
+
+<file path=ppt/slides/slide23.xml><?xml version="1.0" encoding="utf-8"?>
 <p:sld xmlns:a="http://schemas.openxmlformats.org/drawingml/2006/main" xmlns:r="http://schemas.openxmlformats.org/officeDocument/2006/relationships" xmlns:p="http://schemas.openxmlformats.org/presentationml/2006/main">
   <p:cSld>
     <p:spTree>
